--- a/새 Microsoft PowerPoint 프레젠테이션.pptx
+++ b/새 Microsoft PowerPoint 프레젠테이션.pptx
@@ -3669,8 +3669,8 @@
         </p:nvSpPr>
         <p:spPr>
           <a:xfrm>
-            <a:off x="58357" y="5657671"/>
-            <a:ext cx="6096000" cy="1200329"/>
+            <a:off x="-32326" y="6044302"/>
+            <a:ext cx="6096000" cy="646331"/>
           </a:xfrm>
           <a:prstGeom prst="rect">
             <a:avLst/>
@@ -3697,72 +3697,12 @@
           </a:p>
           <a:p>
             <a:pPr>
-              <a:buFont typeface="Arial" panose="020B0604020202020204" pitchFamily="34" charset="0"/>
-              <a:buChar char="•"/>
+              <a:buNone/>
             </a:pPr>
             <a:r>
-              <a:rPr lang="ko-KR" altLang="en-US" dirty="0"/>
-              <a:t>🔗 </a:t>
-            </a:r>
-            <a:r>
               <a:rPr lang="en-US" altLang="ko-KR" b="1" dirty="0"/>
-              <a:t>OpenAI API </a:t>
-            </a:r>
-            <a:r>
-              <a:rPr lang="ko-KR" altLang="en-US" b="1" dirty="0"/>
-              <a:t>연동 → 실시간 응답 자동화</a:t>
-            </a:r>
-            <a:endParaRPr lang="ko-KR" altLang="en-US" dirty="0"/>
-          </a:p>
-          <a:p>
-            <a:pPr>
-              <a:buFont typeface="Arial" panose="020B0604020202020204" pitchFamily="34" charset="0"/>
-              <a:buChar char="•"/>
-            </a:pPr>
-            <a:r>
-              <a:rPr lang="ko-KR" altLang="en-US" dirty="0"/>
-              <a:t>🧑‍💼 관리자 전용 </a:t>
-            </a:r>
-            <a:r>
-              <a:rPr lang="ko-KR" altLang="en-US" b="1" dirty="0"/>
-              <a:t>문의</a:t>
-            </a:r>
-            <a:r>
-              <a:rPr lang="en-US" altLang="ko-KR" b="1" dirty="0"/>
-              <a:t>/</a:t>
-            </a:r>
-            <a:r>
-              <a:rPr lang="ko-KR" altLang="en-US" b="1" dirty="0"/>
-              <a:t>답변 등록 및 수정 </a:t>
-            </a:r>
-            <a:r>
-              <a:rPr lang="en-US" altLang="ko-KR" b="1" dirty="0"/>
-              <a:t>UI</a:t>
-            </a:r>
-            <a:endParaRPr lang="ko-KR" altLang="en-US" dirty="0"/>
-          </a:p>
-          <a:p>
-            <a:pPr>
-              <a:buFont typeface="Arial" panose="020B0604020202020204" pitchFamily="34" charset="0"/>
-              <a:buChar char="•"/>
-            </a:pPr>
-            <a:r>
-              <a:rPr lang="ko-KR" altLang="en-US" dirty="0"/>
-              <a:t>📚 고객 응대 이력 자동 저장 </a:t>
-            </a:r>
-            <a:r>
-              <a:rPr lang="en-US" altLang="ko-KR" dirty="0"/>
-              <a:t>&amp; </a:t>
-            </a:r>
-            <a:r>
-              <a:rPr lang="en-US" altLang="ko-KR" b="1" dirty="0"/>
-              <a:t>CRM </a:t>
-            </a:r>
-            <a:r>
-              <a:rPr lang="ko-KR" altLang="en-US" b="1" dirty="0"/>
-              <a:t>연동</a:t>
-            </a:r>
-            <a:endParaRPr lang="ko-KR" altLang="en-US" dirty="0"/>
+              <a:t>-----2025</a:t>
+            </a:r>
           </a:p>
         </p:txBody>
       </p:sp>
